--- a/Stuff For Class/Slides/Logistic Regression.pptx
+++ b/Stuff For Class/Slides/Logistic Regression.pptx
@@ -29,6 +29,10 @@
     <p:sldId id="274" r:id="rId25"/>
     <p:sldId id="275" r:id="rId26"/>
     <p:sldId id="276" r:id="rId27"/>
+    <p:sldId id="277" r:id="rId28"/>
+    <p:sldId id="278" r:id="rId29"/>
+    <p:sldId id="279" r:id="rId30"/>
+    <p:sldId id="280" r:id="rId31"/>
   </p:sldIdLst>
   <p:sldSz cy="5143500" cx="9144000"/>
   <p:notesSz cx="6858000" cy="9144000"/>
@@ -2048,6 +2052,402 @@
       <p:sp>
         <p:nvSpPr>
           <p:cNvPr id="191" name="Google Shape;191;g2bf79016a3b_0_0:notes"/>
+          <p:cNvSpPr txBox="1"/>
+          <p:nvPr>
+            <p:ph idx="1" type="body"/>
+          </p:nvPr>
+        </p:nvSpPr>
+        <p:spPr>
+          <a:xfrm>
+            <a:off x="685800" y="4343400"/>
+            <a:ext cx="5486400" cy="4114800"/>
+          </a:xfrm>
+          <a:prstGeom prst="rect">
+            <a:avLst/>
+          </a:prstGeom>
+        </p:spPr>
+        <p:txBody>
+          <a:bodyPr anchorCtr="0" anchor="t" bIns="91425" lIns="91425" spcFirstLastPara="1" rIns="91425" wrap="square" tIns="91425">
+            <a:noAutofit/>
+          </a:bodyPr>
+          <a:lstStyle/>
+          <a:p>
+            <a:pPr indent="0" lvl="0" marL="0" rtl="0" algn="l">
+              <a:spcBef>
+                <a:spcPts val="0"/>
+              </a:spcBef>
+              <a:spcAft>
+                <a:spcPts val="0"/>
+              </a:spcAft>
+              <a:buNone/>
+            </a:pPr>
+            <a:r>
+              <a:t/>
+            </a:r>
+            <a:endParaRPr/>
+          </a:p>
+        </p:txBody>
+      </p:sp>
+    </p:spTree>
+  </p:cSld>
+  <p:clrMapOvr>
+    <a:masterClrMapping/>
+  </p:clrMapOvr>
+</p:notes>
+</file>
+
+<file path=ppt/notesSlides/notesSlide22.xml><?xml version="1.0" encoding="utf-8"?>
+<p:notes xmlns:a="http://schemas.openxmlformats.org/drawingml/2006/main" xmlns:r="http://schemas.openxmlformats.org/officeDocument/2006/relationships" xmlns:mc="http://schemas.openxmlformats.org/markup-compatibility/2006" xmlns:mv="urn:schemas-microsoft-com:mac:vml" xmlns:p="http://schemas.openxmlformats.org/presentationml/2006/main" xmlns:c="http://schemas.openxmlformats.org/drawingml/2006/chart" xmlns:dgm="http://schemas.openxmlformats.org/drawingml/2006/diagram" xmlns:o="urn:schemas-microsoft-com:office:office" xmlns:v="urn:schemas-microsoft-com:vml" xmlns:pvml="urn:schemas-microsoft-com:office:powerpoint" xmlns:com="http://schemas.openxmlformats.org/drawingml/2006/compatibility" xmlns:p14="http://schemas.microsoft.com/office/powerpoint/2010/main" xmlns:p15="http://schemas.microsoft.com/office/powerpoint/2012/main" xmlns:ahyp="http://schemas.microsoft.com/office/drawing/2018/hyperlinkcolor" showMasterPhAnim="0" showMasterSp="0">
+  <p:cSld>
+    <p:spTree>
+      <p:nvGrpSpPr>
+        <p:cNvPr id="196" name="Shape 196"/>
+        <p:cNvGrpSpPr/>
+        <p:nvPr/>
+      </p:nvGrpSpPr>
+      <p:grpSpPr>
+        <a:xfrm>
+          <a:off x="0" y="0"/>
+          <a:ext cx="0" cy="0"/>
+          <a:chOff x="0" y="0"/>
+          <a:chExt cx="0" cy="0"/>
+        </a:xfrm>
+      </p:grpSpPr>
+      <p:sp>
+        <p:nvSpPr>
+          <p:cNvPr id="197" name="Google Shape;197;g31c0bcc58bc_0_1:notes"/>
+          <p:cNvSpPr/>
+          <p:nvPr>
+            <p:ph idx="2" type="sldImg"/>
+          </p:nvPr>
+        </p:nvSpPr>
+        <p:spPr>
+          <a:xfrm>
+            <a:off x="381300" y="685800"/>
+            <a:ext cx="6096000" cy="3429000"/>
+          </a:xfrm>
+          <a:custGeom>
+            <a:rect b="b" l="l" r="r" t="t"/>
+            <a:pathLst>
+              <a:path extrusionOk="0" h="120000" w="120000">
+                <a:moveTo>
+                  <a:pt x="0" y="0"/>
+                </a:moveTo>
+                <a:lnTo>
+                  <a:pt x="120000" y="0"/>
+                </a:lnTo>
+                <a:lnTo>
+                  <a:pt x="120000" y="120000"/>
+                </a:lnTo>
+                <a:lnTo>
+                  <a:pt x="0" y="120000"/>
+                </a:lnTo>
+                <a:close/>
+              </a:path>
+            </a:pathLst>
+          </a:custGeom>
+        </p:spPr>
+      </p:sp>
+      <p:sp>
+        <p:nvSpPr>
+          <p:cNvPr id="198" name="Google Shape;198;g31c0bcc58bc_0_1:notes"/>
+          <p:cNvSpPr txBox="1"/>
+          <p:nvPr>
+            <p:ph idx="1" type="body"/>
+          </p:nvPr>
+        </p:nvSpPr>
+        <p:spPr>
+          <a:xfrm>
+            <a:off x="685800" y="4343400"/>
+            <a:ext cx="5486400" cy="4114800"/>
+          </a:xfrm>
+          <a:prstGeom prst="rect">
+            <a:avLst/>
+          </a:prstGeom>
+        </p:spPr>
+        <p:txBody>
+          <a:bodyPr anchorCtr="0" anchor="t" bIns="91425" lIns="91425" spcFirstLastPara="1" rIns="91425" wrap="square" tIns="91425">
+            <a:noAutofit/>
+          </a:bodyPr>
+          <a:lstStyle/>
+          <a:p>
+            <a:pPr indent="0" lvl="0" marL="0" rtl="0" algn="l">
+              <a:spcBef>
+                <a:spcPts val="0"/>
+              </a:spcBef>
+              <a:spcAft>
+                <a:spcPts val="0"/>
+              </a:spcAft>
+              <a:buNone/>
+            </a:pPr>
+            <a:r>
+              <a:t/>
+            </a:r>
+            <a:endParaRPr/>
+          </a:p>
+        </p:txBody>
+      </p:sp>
+    </p:spTree>
+  </p:cSld>
+  <p:clrMapOvr>
+    <a:masterClrMapping/>
+  </p:clrMapOvr>
+</p:notes>
+</file>
+
+<file path=ppt/notesSlides/notesSlide23.xml><?xml version="1.0" encoding="utf-8"?>
+<p:notes xmlns:a="http://schemas.openxmlformats.org/drawingml/2006/main" xmlns:r="http://schemas.openxmlformats.org/officeDocument/2006/relationships" xmlns:mc="http://schemas.openxmlformats.org/markup-compatibility/2006" xmlns:mv="urn:schemas-microsoft-com:mac:vml" xmlns:p="http://schemas.openxmlformats.org/presentationml/2006/main" xmlns:c="http://schemas.openxmlformats.org/drawingml/2006/chart" xmlns:dgm="http://schemas.openxmlformats.org/drawingml/2006/diagram" xmlns:o="urn:schemas-microsoft-com:office:office" xmlns:v="urn:schemas-microsoft-com:vml" xmlns:pvml="urn:schemas-microsoft-com:office:powerpoint" xmlns:com="http://schemas.openxmlformats.org/drawingml/2006/compatibility" xmlns:p14="http://schemas.microsoft.com/office/powerpoint/2010/main" xmlns:p15="http://schemas.microsoft.com/office/powerpoint/2012/main" xmlns:ahyp="http://schemas.microsoft.com/office/drawing/2018/hyperlinkcolor" showMasterPhAnim="0" showMasterSp="0">
+  <p:cSld>
+    <p:spTree>
+      <p:nvGrpSpPr>
+        <p:cNvPr id="203" name="Shape 203"/>
+        <p:cNvGrpSpPr/>
+        <p:nvPr/>
+      </p:nvGrpSpPr>
+      <p:grpSpPr>
+        <a:xfrm>
+          <a:off x="0" y="0"/>
+          <a:ext cx="0" cy="0"/>
+          <a:chOff x="0" y="0"/>
+          <a:chExt cx="0" cy="0"/>
+        </a:xfrm>
+      </p:grpSpPr>
+      <p:sp>
+        <p:nvSpPr>
+          <p:cNvPr id="204" name="Google Shape;204;g31c0bcc58bc_0_8:notes"/>
+          <p:cNvSpPr/>
+          <p:nvPr>
+            <p:ph idx="2" type="sldImg"/>
+          </p:nvPr>
+        </p:nvSpPr>
+        <p:spPr>
+          <a:xfrm>
+            <a:off x="381300" y="685800"/>
+            <a:ext cx="6096000" cy="3429000"/>
+          </a:xfrm>
+          <a:custGeom>
+            <a:rect b="b" l="l" r="r" t="t"/>
+            <a:pathLst>
+              <a:path extrusionOk="0" h="120000" w="120000">
+                <a:moveTo>
+                  <a:pt x="0" y="0"/>
+                </a:moveTo>
+                <a:lnTo>
+                  <a:pt x="120000" y="0"/>
+                </a:lnTo>
+                <a:lnTo>
+                  <a:pt x="120000" y="120000"/>
+                </a:lnTo>
+                <a:lnTo>
+                  <a:pt x="0" y="120000"/>
+                </a:lnTo>
+                <a:close/>
+              </a:path>
+            </a:pathLst>
+          </a:custGeom>
+        </p:spPr>
+      </p:sp>
+      <p:sp>
+        <p:nvSpPr>
+          <p:cNvPr id="205" name="Google Shape;205;g31c0bcc58bc_0_8:notes"/>
+          <p:cNvSpPr txBox="1"/>
+          <p:nvPr>
+            <p:ph idx="1" type="body"/>
+          </p:nvPr>
+        </p:nvSpPr>
+        <p:spPr>
+          <a:xfrm>
+            <a:off x="685800" y="4343400"/>
+            <a:ext cx="5486400" cy="4114800"/>
+          </a:xfrm>
+          <a:prstGeom prst="rect">
+            <a:avLst/>
+          </a:prstGeom>
+        </p:spPr>
+        <p:txBody>
+          <a:bodyPr anchorCtr="0" anchor="t" bIns="91425" lIns="91425" spcFirstLastPara="1" rIns="91425" wrap="square" tIns="91425">
+            <a:noAutofit/>
+          </a:bodyPr>
+          <a:lstStyle/>
+          <a:p>
+            <a:pPr indent="0" lvl="0" marL="0" rtl="0" algn="l">
+              <a:spcBef>
+                <a:spcPts val="0"/>
+              </a:spcBef>
+              <a:spcAft>
+                <a:spcPts val="0"/>
+              </a:spcAft>
+              <a:buNone/>
+            </a:pPr>
+            <a:r>
+              <a:t/>
+            </a:r>
+            <a:endParaRPr/>
+          </a:p>
+        </p:txBody>
+      </p:sp>
+    </p:spTree>
+  </p:cSld>
+  <p:clrMapOvr>
+    <a:masterClrMapping/>
+  </p:clrMapOvr>
+</p:notes>
+</file>
+
+<file path=ppt/notesSlides/notesSlide24.xml><?xml version="1.0" encoding="utf-8"?>
+<p:notes xmlns:a="http://schemas.openxmlformats.org/drawingml/2006/main" xmlns:r="http://schemas.openxmlformats.org/officeDocument/2006/relationships" xmlns:mc="http://schemas.openxmlformats.org/markup-compatibility/2006" xmlns:mv="urn:schemas-microsoft-com:mac:vml" xmlns:p="http://schemas.openxmlformats.org/presentationml/2006/main" xmlns:c="http://schemas.openxmlformats.org/drawingml/2006/chart" xmlns:dgm="http://schemas.openxmlformats.org/drawingml/2006/diagram" xmlns:o="urn:schemas-microsoft-com:office:office" xmlns:v="urn:schemas-microsoft-com:vml" xmlns:pvml="urn:schemas-microsoft-com:office:powerpoint" xmlns:com="http://schemas.openxmlformats.org/drawingml/2006/compatibility" xmlns:p14="http://schemas.microsoft.com/office/powerpoint/2010/main" xmlns:p15="http://schemas.microsoft.com/office/powerpoint/2012/main" xmlns:ahyp="http://schemas.microsoft.com/office/drawing/2018/hyperlinkcolor" showMasterPhAnim="0" showMasterSp="0">
+  <p:cSld>
+    <p:spTree>
+      <p:nvGrpSpPr>
+        <p:cNvPr id="210" name="Shape 210"/>
+        <p:cNvGrpSpPr/>
+        <p:nvPr/>
+      </p:nvGrpSpPr>
+      <p:grpSpPr>
+        <a:xfrm>
+          <a:off x="0" y="0"/>
+          <a:ext cx="0" cy="0"/>
+          <a:chOff x="0" y="0"/>
+          <a:chExt cx="0" cy="0"/>
+        </a:xfrm>
+      </p:grpSpPr>
+      <p:sp>
+        <p:nvSpPr>
+          <p:cNvPr id="211" name="Google Shape;211;g31c0bcc58bc_0_22:notes"/>
+          <p:cNvSpPr/>
+          <p:nvPr>
+            <p:ph idx="2" type="sldImg"/>
+          </p:nvPr>
+        </p:nvSpPr>
+        <p:spPr>
+          <a:xfrm>
+            <a:off x="381300" y="685800"/>
+            <a:ext cx="6096000" cy="3429000"/>
+          </a:xfrm>
+          <a:custGeom>
+            <a:rect b="b" l="l" r="r" t="t"/>
+            <a:pathLst>
+              <a:path extrusionOk="0" h="120000" w="120000">
+                <a:moveTo>
+                  <a:pt x="0" y="0"/>
+                </a:moveTo>
+                <a:lnTo>
+                  <a:pt x="120000" y="0"/>
+                </a:lnTo>
+                <a:lnTo>
+                  <a:pt x="120000" y="120000"/>
+                </a:lnTo>
+                <a:lnTo>
+                  <a:pt x="0" y="120000"/>
+                </a:lnTo>
+                <a:close/>
+              </a:path>
+            </a:pathLst>
+          </a:custGeom>
+        </p:spPr>
+      </p:sp>
+      <p:sp>
+        <p:nvSpPr>
+          <p:cNvPr id="212" name="Google Shape;212;g31c0bcc58bc_0_22:notes"/>
+          <p:cNvSpPr txBox="1"/>
+          <p:nvPr>
+            <p:ph idx="1" type="body"/>
+          </p:nvPr>
+        </p:nvSpPr>
+        <p:spPr>
+          <a:xfrm>
+            <a:off x="685800" y="4343400"/>
+            <a:ext cx="5486400" cy="4114800"/>
+          </a:xfrm>
+          <a:prstGeom prst="rect">
+            <a:avLst/>
+          </a:prstGeom>
+        </p:spPr>
+        <p:txBody>
+          <a:bodyPr anchorCtr="0" anchor="t" bIns="91425" lIns="91425" spcFirstLastPara="1" rIns="91425" wrap="square" tIns="91425">
+            <a:noAutofit/>
+          </a:bodyPr>
+          <a:lstStyle/>
+          <a:p>
+            <a:pPr indent="0" lvl="0" marL="0" rtl="0" algn="l">
+              <a:spcBef>
+                <a:spcPts val="0"/>
+              </a:spcBef>
+              <a:spcAft>
+                <a:spcPts val="0"/>
+              </a:spcAft>
+              <a:buNone/>
+            </a:pPr>
+            <a:r>
+              <a:t/>
+            </a:r>
+            <a:endParaRPr/>
+          </a:p>
+        </p:txBody>
+      </p:sp>
+    </p:spTree>
+  </p:cSld>
+  <p:clrMapOvr>
+    <a:masterClrMapping/>
+  </p:clrMapOvr>
+</p:notes>
+</file>
+
+<file path=ppt/notesSlides/notesSlide25.xml><?xml version="1.0" encoding="utf-8"?>
+<p:notes xmlns:a="http://schemas.openxmlformats.org/drawingml/2006/main" xmlns:r="http://schemas.openxmlformats.org/officeDocument/2006/relationships" xmlns:mc="http://schemas.openxmlformats.org/markup-compatibility/2006" xmlns:mv="urn:schemas-microsoft-com:mac:vml" xmlns:p="http://schemas.openxmlformats.org/presentationml/2006/main" xmlns:c="http://schemas.openxmlformats.org/drawingml/2006/chart" xmlns:dgm="http://schemas.openxmlformats.org/drawingml/2006/diagram" xmlns:o="urn:schemas-microsoft-com:office:office" xmlns:v="urn:schemas-microsoft-com:vml" xmlns:pvml="urn:schemas-microsoft-com:office:powerpoint" xmlns:com="http://schemas.openxmlformats.org/drawingml/2006/compatibility" xmlns:p14="http://schemas.microsoft.com/office/powerpoint/2010/main" xmlns:p15="http://schemas.microsoft.com/office/powerpoint/2012/main" xmlns:ahyp="http://schemas.microsoft.com/office/drawing/2018/hyperlinkcolor" showMasterPhAnim="0" showMasterSp="0">
+  <p:cSld>
+    <p:spTree>
+      <p:nvGrpSpPr>
+        <p:cNvPr id="217" name="Shape 217"/>
+        <p:cNvGrpSpPr/>
+        <p:nvPr/>
+      </p:nvGrpSpPr>
+      <p:grpSpPr>
+        <a:xfrm>
+          <a:off x="0" y="0"/>
+          <a:ext cx="0" cy="0"/>
+          <a:chOff x="0" y="0"/>
+          <a:chExt cx="0" cy="0"/>
+        </a:xfrm>
+      </p:grpSpPr>
+      <p:sp>
+        <p:nvSpPr>
+          <p:cNvPr id="218" name="Google Shape;218;g31c0bcc58bc_0_14:notes"/>
+          <p:cNvSpPr/>
+          <p:nvPr>
+            <p:ph idx="2" type="sldImg"/>
+          </p:nvPr>
+        </p:nvSpPr>
+        <p:spPr>
+          <a:xfrm>
+            <a:off x="381300" y="685800"/>
+            <a:ext cx="6096000" cy="3429000"/>
+          </a:xfrm>
+          <a:custGeom>
+            <a:rect b="b" l="l" r="r" t="t"/>
+            <a:pathLst>
+              <a:path extrusionOk="0" h="120000" w="120000">
+                <a:moveTo>
+                  <a:pt x="0" y="0"/>
+                </a:moveTo>
+                <a:lnTo>
+                  <a:pt x="120000" y="0"/>
+                </a:lnTo>
+                <a:lnTo>
+                  <a:pt x="120000" y="120000"/>
+                </a:lnTo>
+                <a:lnTo>
+                  <a:pt x="0" y="120000"/>
+                </a:lnTo>
+                <a:close/>
+              </a:path>
+            </a:pathLst>
+          </a:custGeom>
+        </p:spPr>
+      </p:sp>
+      <p:sp>
+        <p:nvSpPr>
+          <p:cNvPr id="219" name="Google Shape;219;g31c0bcc58bc_0_14:notes"/>
           <p:cNvSpPr txBox="1"/>
           <p:nvPr>
             <p:ph idx="1" type="body"/>
@@ -8426,7 +8826,7 @@
             </a:pPr>
             <a:r>
               <a:rPr lang="en"/>
-              <a:t>A one unit increase in X1 will result in a B1 increase in log(odds) of Y = 1</a:t>
+              <a:t>A one unit increase in X1 will result in a B1 increase in log odds of Y = 1</a:t>
             </a:r>
             <a:endParaRPr/>
           </a:p>
@@ -8442,7 +8842,7 @@
             </a:pPr>
             <a:r>
               <a:rPr lang="en"/>
-              <a:t>A one unit increase in X1 will result in an e^B1 increase in the odds of Y = 1 </a:t>
+              <a:t>A one unit increase in X1 will result in an (e^B1)-1 % increase in the odds of Y = 1 </a:t>
             </a:r>
             <a:endParaRPr/>
           </a:p>
@@ -8458,7 +8858,7 @@
             </a:pPr>
             <a:r>
               <a:rPr lang="en"/>
-              <a:t>One additional year of life correlates with a 0.0415 point increase in the log odds of purchasing and a 1.04 point increase in the odds of purchasing</a:t>
+              <a:t>One additional year of life correlates with a 0.0415 point increase in the log odds of purchasing and a 4.15% point increase in the odds of purchasing</a:t>
             </a:r>
             <a:endParaRPr/>
           </a:p>
@@ -8965,7 +9365,7 @@
         </p:spPr>
         <p:txBody>
           <a:bodyPr anchorCtr="0" anchor="t" bIns="91425" lIns="91425" spcFirstLastPara="1" rIns="91425" wrap="square" tIns="91425">
-            <a:normAutofit fontScale="77500" lnSpcReduction="20000"/>
+            <a:normAutofit fontScale="70000"/>
           </a:bodyPr>
           <a:lstStyle/>
           <a:p>
@@ -9008,7 +9408,7 @@
             </a:r>
             <a:r>
               <a:rPr lang="en"/>
-              <a:t> of purchasing increases by 1.03 percent</a:t>
+              <a:t> of purchasing increases by 1.03 percentage points</a:t>
             </a:r>
             <a:endParaRPr/>
           </a:p>
@@ -9040,7 +9440,7 @@
             </a:r>
             <a:r>
               <a:rPr lang="en"/>
-              <a:t> by 17%</a:t>
+              <a:t> by 17.8 percentage points</a:t>
             </a:r>
             <a:endParaRPr/>
           </a:p>
@@ -9526,7 +9926,7 @@
             </a:pPr>
             <a:r>
               <a:rPr lang="en"/>
-              <a:t>A 1% increase in age corresponds to a 67% increase in the probability of purchasing </a:t>
+              <a:t>A 1% increase in age corresponds to a 0.67% increase in the probability of purchasing </a:t>
             </a:r>
             <a:endParaRPr/>
           </a:p>
@@ -9542,7 +9942,7 @@
             </a:pPr>
             <a:r>
               <a:rPr lang="en"/>
-              <a:t>For each additional percent increase in past purchases, the probability of purchasing increases by 51.37%</a:t>
+              <a:t>For each additional percent increase in past purchases, the probability of purchasing increases by 0.51%</a:t>
             </a:r>
             <a:endParaRPr/>
           </a:p>
@@ -10456,7 +10856,7 @@
             <a:tbl>
               <a:tblPr>
                 <a:noFill/>
-                <a:tableStyleId>{ACD02343-28EE-4729-9CA3-A3004B5C1CF3}</a:tableStyleId>
+                <a:tableStyleId>{5D25E021-2207-40E9-8CAE-826746F7D955}</a:tableStyleId>
               </a:tblPr>
               <a:tblGrid>
                 <a:gridCol w="3619500"/>
@@ -12473,7 +12873,7 @@
             <a:tbl>
               <a:tblPr>
                 <a:noFill/>
-                <a:tableStyleId>{ACD02343-28EE-4729-9CA3-A3004B5C1CF3}</a:tableStyleId>
+                <a:tableStyleId>{5D25E021-2207-40E9-8CAE-826746F7D955}</a:tableStyleId>
               </a:tblPr>
               <a:tblGrid>
                 <a:gridCol w="3619500"/>
@@ -13522,7 +13922,7 @@
             <a:tbl>
               <a:tblPr>
                 <a:noFill/>
-                <a:tableStyleId>{ACD02343-28EE-4729-9CA3-A3004B5C1CF3}</a:tableStyleId>
+                <a:tableStyleId>{5D25E021-2207-40E9-8CAE-826746F7D955}</a:tableStyleId>
               </a:tblPr>
               <a:tblGrid>
                 <a:gridCol w="1387625"/>
@@ -14748,7 +15148,7 @@
         </p:spPr>
         <p:txBody>
           <a:bodyPr anchorCtr="0" anchor="t" bIns="91425" lIns="91425" spcFirstLastPara="1" rIns="91425" wrap="square" tIns="91425">
-            <a:normAutofit fontScale="77500"/>
+            <a:normAutofit fontScale="62500" lnSpcReduction="20000"/>
           </a:bodyPr>
           <a:lstStyle/>
           <a:p>
@@ -14861,18 +15261,672 @@
                 <a:spcPts val="1200"/>
               </a:spcBef>
               <a:spcAft>
+                <a:spcPts val="0"/>
+              </a:spcAft>
+              <a:buNone/>
+            </a:pPr>
+            <a:r>
+              <a:rPr lang="en"/>
+              <a:t>Slightly more complicated interpretation of </a:t>
+            </a:r>
+            <a:r>
+              <a:rPr lang="en"/>
+              <a:t>coefficients</a:t>
+            </a:r>
+            <a:endParaRPr/>
+          </a:p>
+          <a:p>
+            <a:pPr indent="0" lvl="0" marL="0" rtl="0" algn="l">
+              <a:spcBef>
                 <a:spcPts val="1200"/>
+              </a:spcBef>
+              <a:spcAft>
+                <a:spcPts val="0"/>
               </a:spcAft>
               <a:buNone/>
             </a:pPr>
             <a:r>
               <a:rPr lang="en"/>
-              <a:t>Slightly more complicated interpretation</a:t>
+              <a:t>Coefficient</a:t>
+            </a:r>
+            <a:r>
+              <a:rPr lang="en"/>
+              <a:t> Interpretation: A one unit increase in X is associated with a B increase in the log odds of being in a higher category</a:t>
+            </a:r>
+            <a:endParaRPr/>
+          </a:p>
+          <a:p>
+            <a:pPr indent="0" lvl="0" marL="0" rtl="0" algn="l">
+              <a:spcBef>
+                <a:spcPts val="1200"/>
+              </a:spcBef>
+              <a:spcAft>
+                <a:spcPts val="1200"/>
+              </a:spcAft>
+              <a:buNone/>
+            </a:pPr>
+            <a:r>
+              <a:rPr lang="en"/>
+              <a:t>Cutpoints have no interpretation</a:t>
             </a:r>
             <a:endParaRPr/>
           </a:p>
         </p:txBody>
       </p:sp>
+      <p:pic>
+        <p:nvPicPr>
+          <p:cNvPr id="195" name="Google Shape;195;p33"/>
+          <p:cNvPicPr preferRelativeResize="0"/>
+          <p:nvPr/>
+        </p:nvPicPr>
+        <p:blipFill>
+          <a:blip r:embed="rId3">
+            <a:alphaModFix/>
+          </a:blip>
+          <a:stretch>
+            <a:fillRect/>
+          </a:stretch>
+        </p:blipFill>
+        <p:spPr>
+          <a:xfrm>
+            <a:off x="5351450" y="661263"/>
+            <a:ext cx="3429939" cy="3820974"/>
+          </a:xfrm>
+          <a:prstGeom prst="rect">
+            <a:avLst/>
+          </a:prstGeom>
+          <a:noFill/>
+          <a:ln>
+            <a:noFill/>
+          </a:ln>
+        </p:spPr>
+      </p:pic>
+    </p:spTree>
+  </p:cSld>
+  <p:clrMapOvr>
+    <a:masterClrMapping/>
+  </p:clrMapOvr>
+</p:sld>
+</file>
+
+<file path=ppt/slides/slide22.xml><?xml version="1.0" encoding="utf-8"?>
+<p:sld xmlns:a="http://schemas.openxmlformats.org/drawingml/2006/main" xmlns:r="http://schemas.openxmlformats.org/officeDocument/2006/relationships" xmlns:mc="http://schemas.openxmlformats.org/markup-compatibility/2006" xmlns:mv="urn:schemas-microsoft-com:mac:vml" xmlns:p="http://schemas.openxmlformats.org/presentationml/2006/main" xmlns:c="http://schemas.openxmlformats.org/drawingml/2006/chart" xmlns:dgm="http://schemas.openxmlformats.org/drawingml/2006/diagram" xmlns:o="urn:schemas-microsoft-com:office:office" xmlns:v="urn:schemas-microsoft-com:vml" xmlns:pvml="urn:schemas-microsoft-com:office:powerpoint" xmlns:com="http://schemas.openxmlformats.org/drawingml/2006/compatibility" xmlns:p14="http://schemas.microsoft.com/office/powerpoint/2010/main" xmlns:p15="http://schemas.microsoft.com/office/powerpoint/2012/main" xmlns:ahyp="http://schemas.microsoft.com/office/drawing/2018/hyperlinkcolor">
+  <p:cSld>
+    <p:spTree>
+      <p:nvGrpSpPr>
+        <p:cNvPr id="199" name="Shape 199"/>
+        <p:cNvGrpSpPr/>
+        <p:nvPr/>
+      </p:nvGrpSpPr>
+      <p:grpSpPr>
+        <a:xfrm>
+          <a:off x="0" y="0"/>
+          <a:ext cx="0" cy="0"/>
+          <a:chOff x="0" y="0"/>
+          <a:chExt cx="0" cy="0"/>
+        </a:xfrm>
+      </p:grpSpPr>
+      <p:sp>
+        <p:nvSpPr>
+          <p:cNvPr id="200" name="Google Shape;200;p34"/>
+          <p:cNvSpPr txBox="1"/>
+          <p:nvPr>
+            <p:ph type="title"/>
+          </p:nvPr>
+        </p:nvSpPr>
+        <p:spPr>
+          <a:xfrm>
+            <a:off x="311700" y="445025"/>
+            <a:ext cx="8520600" cy="572700"/>
+          </a:xfrm>
+          <a:prstGeom prst="rect">
+            <a:avLst/>
+          </a:prstGeom>
+        </p:spPr>
+        <p:txBody>
+          <a:bodyPr anchorCtr="0" anchor="t" bIns="91425" lIns="91425" spcFirstLastPara="1" rIns="91425" wrap="square" tIns="91425">
+            <a:normAutofit fontScale="90000"/>
+          </a:bodyPr>
+          <a:lstStyle/>
+          <a:p>
+            <a:pPr indent="0" lvl="0" marL="0" rtl="0" algn="l">
+              <a:spcBef>
+                <a:spcPts val="0"/>
+              </a:spcBef>
+              <a:spcAft>
+                <a:spcPts val="0"/>
+              </a:spcAft>
+              <a:buNone/>
+            </a:pPr>
+            <a:r>
+              <a:rPr lang="en"/>
+              <a:t>Ordered Logistic Regression - Predicted Probabilities</a:t>
+            </a:r>
+            <a:endParaRPr/>
+          </a:p>
+        </p:txBody>
+      </p:sp>
+      <p:pic>
+        <p:nvPicPr>
+          <p:cNvPr id="201" name="Google Shape;201;p34"/>
+          <p:cNvPicPr preferRelativeResize="0"/>
+          <p:nvPr/>
+        </p:nvPicPr>
+        <p:blipFill>
+          <a:blip r:embed="rId3">
+            <a:alphaModFix/>
+          </a:blip>
+          <a:stretch>
+            <a:fillRect/>
+          </a:stretch>
+        </p:blipFill>
+        <p:spPr>
+          <a:xfrm>
+            <a:off x="818875" y="1093175"/>
+            <a:ext cx="2328450" cy="3535001"/>
+          </a:xfrm>
+          <a:prstGeom prst="rect">
+            <a:avLst/>
+          </a:prstGeom>
+          <a:noFill/>
+          <a:ln>
+            <a:noFill/>
+          </a:ln>
+        </p:spPr>
+      </p:pic>
+      <p:pic>
+        <p:nvPicPr>
+          <p:cNvPr id="202" name="Google Shape;202;p34"/>
+          <p:cNvPicPr preferRelativeResize="0"/>
+          <p:nvPr/>
+        </p:nvPicPr>
+        <p:blipFill>
+          <a:blip r:embed="rId4">
+            <a:alphaModFix/>
+          </a:blip>
+          <a:stretch>
+            <a:fillRect/>
+          </a:stretch>
+        </p:blipFill>
+        <p:spPr>
+          <a:xfrm>
+            <a:off x="3299725" y="1170125"/>
+            <a:ext cx="5691874" cy="3541743"/>
+          </a:xfrm>
+          <a:prstGeom prst="rect">
+            <a:avLst/>
+          </a:prstGeom>
+          <a:noFill/>
+          <a:ln>
+            <a:noFill/>
+          </a:ln>
+        </p:spPr>
+      </p:pic>
+    </p:spTree>
+  </p:cSld>
+  <p:clrMapOvr>
+    <a:masterClrMapping/>
+  </p:clrMapOvr>
+</p:sld>
+</file>
+
+<file path=ppt/slides/slide23.xml><?xml version="1.0" encoding="utf-8"?>
+<p:sld xmlns:a="http://schemas.openxmlformats.org/drawingml/2006/main" xmlns:r="http://schemas.openxmlformats.org/officeDocument/2006/relationships" xmlns:mc="http://schemas.openxmlformats.org/markup-compatibility/2006" xmlns:mv="urn:schemas-microsoft-com:mac:vml" xmlns:p="http://schemas.openxmlformats.org/presentationml/2006/main" xmlns:c="http://schemas.openxmlformats.org/drawingml/2006/chart" xmlns:dgm="http://schemas.openxmlformats.org/drawingml/2006/diagram" xmlns:o="urn:schemas-microsoft-com:office:office" xmlns:v="urn:schemas-microsoft-com:vml" xmlns:pvml="urn:schemas-microsoft-com:office:powerpoint" xmlns:com="http://schemas.openxmlformats.org/drawingml/2006/compatibility" xmlns:p14="http://schemas.microsoft.com/office/powerpoint/2010/main" xmlns:p15="http://schemas.microsoft.com/office/powerpoint/2012/main" xmlns:ahyp="http://schemas.microsoft.com/office/drawing/2018/hyperlinkcolor">
+  <p:cSld>
+    <p:spTree>
+      <p:nvGrpSpPr>
+        <p:cNvPr id="206" name="Shape 206"/>
+        <p:cNvGrpSpPr/>
+        <p:nvPr/>
+      </p:nvGrpSpPr>
+      <p:grpSpPr>
+        <a:xfrm>
+          <a:off x="0" y="0"/>
+          <a:ext cx="0" cy="0"/>
+          <a:chOff x="0" y="0"/>
+          <a:chExt cx="0" cy="0"/>
+        </a:xfrm>
+      </p:grpSpPr>
+      <p:sp>
+        <p:nvSpPr>
+          <p:cNvPr id="207" name="Google Shape;207;p35"/>
+          <p:cNvSpPr txBox="1"/>
+          <p:nvPr>
+            <p:ph type="title"/>
+          </p:nvPr>
+        </p:nvSpPr>
+        <p:spPr>
+          <a:xfrm>
+            <a:off x="311700" y="445025"/>
+            <a:ext cx="8520600" cy="572700"/>
+          </a:xfrm>
+          <a:prstGeom prst="rect">
+            <a:avLst/>
+          </a:prstGeom>
+        </p:spPr>
+        <p:txBody>
+          <a:bodyPr anchorCtr="0" anchor="t" bIns="91425" lIns="91425" spcFirstLastPara="1" rIns="91425" wrap="square" tIns="91425">
+            <a:normAutofit fontScale="90000"/>
+          </a:bodyPr>
+          <a:lstStyle/>
+          <a:p>
+            <a:pPr indent="0" lvl="0" marL="0" rtl="0" algn="l">
+              <a:spcBef>
+                <a:spcPts val="0"/>
+              </a:spcBef>
+              <a:spcAft>
+                <a:spcPts val="0"/>
+              </a:spcAft>
+              <a:buNone/>
+            </a:pPr>
+            <a:r>
+              <a:rPr lang="en"/>
+              <a:t>Multinomial Logistic Regression</a:t>
+            </a:r>
+            <a:endParaRPr/>
+          </a:p>
+        </p:txBody>
+      </p:sp>
+      <p:sp>
+        <p:nvSpPr>
+          <p:cNvPr id="208" name="Google Shape;208;p35"/>
+          <p:cNvSpPr txBox="1"/>
+          <p:nvPr>
+            <p:ph idx="1" type="body"/>
+          </p:nvPr>
+        </p:nvSpPr>
+        <p:spPr>
+          <a:xfrm>
+            <a:off x="311700" y="1152475"/>
+            <a:ext cx="4260300" cy="3416400"/>
+          </a:xfrm>
+          <a:prstGeom prst="rect">
+            <a:avLst/>
+          </a:prstGeom>
+        </p:spPr>
+        <p:txBody>
+          <a:bodyPr anchorCtr="0" anchor="t" bIns="91425" lIns="91425" spcFirstLastPara="1" rIns="91425" wrap="square" tIns="91425">
+            <a:normAutofit lnSpcReduction="10000"/>
+          </a:bodyPr>
+          <a:lstStyle/>
+          <a:p>
+            <a:pPr indent="0" lvl="0" marL="0" rtl="0" algn="l">
+              <a:spcBef>
+                <a:spcPts val="0"/>
+              </a:spcBef>
+              <a:spcAft>
+                <a:spcPts val="0"/>
+              </a:spcAft>
+              <a:buClr>
+                <a:schemeClr val="dk1"/>
+              </a:buClr>
+              <a:buSzPts val="1100"/>
+              <a:buFont typeface="Arial"/>
+              <a:buNone/>
+            </a:pPr>
+            <a:r>
+              <a:rPr lang="en"/>
+              <a:t>What if dependent variable is categorical (labels, unordered)?</a:t>
+            </a:r>
+            <a:endParaRPr/>
+          </a:p>
+          <a:p>
+            <a:pPr indent="0" lvl="0" marL="0" rtl="0" algn="l">
+              <a:spcBef>
+                <a:spcPts val="1200"/>
+              </a:spcBef>
+              <a:spcAft>
+                <a:spcPts val="0"/>
+              </a:spcAft>
+              <a:buNone/>
+            </a:pPr>
+            <a:r>
+              <a:rPr lang="en"/>
+              <a:t>Example: Married, Single, or Divorced…Christian, Muslim, Hindu, Atheist…</a:t>
+            </a:r>
+            <a:endParaRPr/>
+          </a:p>
+          <a:p>
+            <a:pPr indent="0" lvl="0" marL="0" rtl="0" algn="l">
+              <a:spcBef>
+                <a:spcPts val="1200"/>
+              </a:spcBef>
+              <a:spcAft>
+                <a:spcPts val="1200"/>
+              </a:spcAft>
+              <a:buClr>
+                <a:schemeClr val="dk1"/>
+              </a:buClr>
+              <a:buSzPts val="1100"/>
+              <a:buFont typeface="Arial"/>
+              <a:buNone/>
+            </a:pPr>
+            <a:r>
+              <a:rPr lang="en"/>
+              <a:t>Coefficients are made with respect to a reference category and tell the log odds of being in each category relative to the reference category for a one unit change in X</a:t>
+            </a:r>
+            <a:endParaRPr/>
+          </a:p>
+        </p:txBody>
+      </p:sp>
+      <p:pic>
+        <p:nvPicPr>
+          <p:cNvPr id="209" name="Google Shape;209;p35"/>
+          <p:cNvPicPr preferRelativeResize="0"/>
+          <p:nvPr/>
+        </p:nvPicPr>
+        <p:blipFill>
+          <a:blip r:embed="rId3">
+            <a:alphaModFix/>
+          </a:blip>
+          <a:stretch>
+            <a:fillRect/>
+          </a:stretch>
+        </p:blipFill>
+        <p:spPr>
+          <a:xfrm>
+            <a:off x="5255550" y="661263"/>
+            <a:ext cx="3576739" cy="3820978"/>
+          </a:xfrm>
+          <a:prstGeom prst="rect">
+            <a:avLst/>
+          </a:prstGeom>
+          <a:noFill/>
+          <a:ln>
+            <a:noFill/>
+          </a:ln>
+        </p:spPr>
+      </p:pic>
+    </p:spTree>
+  </p:cSld>
+  <p:clrMapOvr>
+    <a:masterClrMapping/>
+  </p:clrMapOvr>
+</p:sld>
+</file>
+
+<file path=ppt/slides/slide24.xml><?xml version="1.0" encoding="utf-8"?>
+<p:sld xmlns:a="http://schemas.openxmlformats.org/drawingml/2006/main" xmlns:r="http://schemas.openxmlformats.org/officeDocument/2006/relationships" xmlns:mc="http://schemas.openxmlformats.org/markup-compatibility/2006" xmlns:mv="urn:schemas-microsoft-com:mac:vml" xmlns:p="http://schemas.openxmlformats.org/presentationml/2006/main" xmlns:c="http://schemas.openxmlformats.org/drawingml/2006/chart" xmlns:dgm="http://schemas.openxmlformats.org/drawingml/2006/diagram" xmlns:o="urn:schemas-microsoft-com:office:office" xmlns:v="urn:schemas-microsoft-com:vml" xmlns:pvml="urn:schemas-microsoft-com:office:powerpoint" xmlns:com="http://schemas.openxmlformats.org/drawingml/2006/compatibility" xmlns:p14="http://schemas.microsoft.com/office/powerpoint/2010/main" xmlns:p15="http://schemas.microsoft.com/office/powerpoint/2012/main" xmlns:ahyp="http://schemas.microsoft.com/office/drawing/2018/hyperlinkcolor">
+  <p:cSld>
+    <p:spTree>
+      <p:nvGrpSpPr>
+        <p:cNvPr id="213" name="Shape 213"/>
+        <p:cNvGrpSpPr/>
+        <p:nvPr/>
+      </p:nvGrpSpPr>
+      <p:grpSpPr>
+        <a:xfrm>
+          <a:off x="0" y="0"/>
+          <a:ext cx="0" cy="0"/>
+          <a:chOff x="0" y="0"/>
+          <a:chExt cx="0" cy="0"/>
+        </a:xfrm>
+      </p:grpSpPr>
+      <p:sp>
+        <p:nvSpPr>
+          <p:cNvPr id="214" name="Google Shape;214;p36"/>
+          <p:cNvSpPr txBox="1"/>
+          <p:nvPr>
+            <p:ph type="title"/>
+          </p:nvPr>
+        </p:nvSpPr>
+        <p:spPr>
+          <a:xfrm>
+            <a:off x="311700" y="445025"/>
+            <a:ext cx="8520600" cy="572700"/>
+          </a:xfrm>
+          <a:prstGeom prst="rect">
+            <a:avLst/>
+          </a:prstGeom>
+        </p:spPr>
+        <p:txBody>
+          <a:bodyPr anchorCtr="0" anchor="t" bIns="91425" lIns="91425" spcFirstLastPara="1" rIns="91425" wrap="square" tIns="91425">
+            <a:normAutofit fontScale="90000"/>
+          </a:bodyPr>
+          <a:lstStyle/>
+          <a:p>
+            <a:pPr indent="0" lvl="0" marL="0" rtl="0" algn="l">
+              <a:spcBef>
+                <a:spcPts val="0"/>
+              </a:spcBef>
+              <a:spcAft>
+                <a:spcPts val="0"/>
+              </a:spcAft>
+              <a:buNone/>
+            </a:pPr>
+            <a:r>
+              <a:rPr lang="en"/>
+              <a:t>Multinomial Logistic Regression Interpretation</a:t>
+            </a:r>
+            <a:endParaRPr/>
+          </a:p>
+        </p:txBody>
+      </p:sp>
+      <p:sp>
+        <p:nvSpPr>
+          <p:cNvPr id="215" name="Google Shape;215;p36"/>
+          <p:cNvSpPr txBox="1"/>
+          <p:nvPr>
+            <p:ph idx="1" type="body"/>
+          </p:nvPr>
+        </p:nvSpPr>
+        <p:spPr>
+          <a:xfrm>
+            <a:off x="311700" y="1152475"/>
+            <a:ext cx="4260300" cy="3416400"/>
+          </a:xfrm>
+          <a:prstGeom prst="rect">
+            <a:avLst/>
+          </a:prstGeom>
+        </p:spPr>
+        <p:txBody>
+          <a:bodyPr anchorCtr="0" anchor="t" bIns="91425" lIns="91425" spcFirstLastPara="1" rIns="91425" wrap="square" tIns="91425">
+            <a:normAutofit/>
+          </a:bodyPr>
+          <a:lstStyle/>
+          <a:p>
+            <a:pPr indent="0" lvl="0" marL="0" rtl="0" algn="l">
+              <a:spcBef>
+                <a:spcPts val="0"/>
+              </a:spcBef>
+              <a:spcAft>
+                <a:spcPts val="0"/>
+              </a:spcAft>
+              <a:buNone/>
+            </a:pPr>
+            <a:r>
+              <a:rPr lang="en"/>
+              <a:t>Coefficients</a:t>
+            </a:r>
+            <a:r>
+              <a:rPr lang="en"/>
+              <a:t> are created for all but one of the values of Y</a:t>
+            </a:r>
+            <a:endParaRPr/>
+          </a:p>
+          <a:p>
+            <a:pPr indent="0" lvl="0" marL="0" rtl="0" algn="l">
+              <a:spcBef>
+                <a:spcPts val="1200"/>
+              </a:spcBef>
+              <a:spcAft>
+                <a:spcPts val="0"/>
+              </a:spcAft>
+              <a:buNone/>
+            </a:pPr>
+            <a:r>
+              <a:rPr lang="en"/>
+              <a:t>In the example, occupation code 1 is the omitted / reference category</a:t>
+            </a:r>
+            <a:endParaRPr/>
+          </a:p>
+          <a:p>
+            <a:pPr indent="0" lvl="0" marL="0" rtl="0" algn="l">
+              <a:spcBef>
+                <a:spcPts val="1200"/>
+              </a:spcBef>
+              <a:spcAft>
+                <a:spcPts val="1200"/>
+              </a:spcAft>
+              <a:buNone/>
+            </a:pPr>
+            <a:r>
+              <a:rPr lang="en"/>
+              <a:t>A one year increase in years of education increases the log odds of being in category 4 instead of the reference category (1) by 0.1513 and the odds by 16.34%((e^0.1513) -1)</a:t>
+            </a:r>
+            <a:endParaRPr/>
+          </a:p>
+        </p:txBody>
+      </p:sp>
+      <p:pic>
+        <p:nvPicPr>
+          <p:cNvPr id="216" name="Google Shape;216;p36"/>
+          <p:cNvPicPr preferRelativeResize="0"/>
+          <p:nvPr/>
+        </p:nvPicPr>
+        <p:blipFill>
+          <a:blip r:embed="rId3">
+            <a:alphaModFix/>
+          </a:blip>
+          <a:stretch>
+            <a:fillRect/>
+          </a:stretch>
+        </p:blipFill>
+        <p:spPr>
+          <a:xfrm>
+            <a:off x="5507275" y="950188"/>
+            <a:ext cx="2776129" cy="3820974"/>
+          </a:xfrm>
+          <a:prstGeom prst="rect">
+            <a:avLst/>
+          </a:prstGeom>
+          <a:noFill/>
+          <a:ln>
+            <a:noFill/>
+          </a:ln>
+        </p:spPr>
+      </p:pic>
+    </p:spTree>
+  </p:cSld>
+  <p:clrMapOvr>
+    <a:masterClrMapping/>
+  </p:clrMapOvr>
+</p:sld>
+</file>
+
+<file path=ppt/slides/slide25.xml><?xml version="1.0" encoding="utf-8"?>
+<p:sld xmlns:a="http://schemas.openxmlformats.org/drawingml/2006/main" xmlns:r="http://schemas.openxmlformats.org/officeDocument/2006/relationships" xmlns:mc="http://schemas.openxmlformats.org/markup-compatibility/2006" xmlns:mv="urn:schemas-microsoft-com:mac:vml" xmlns:p="http://schemas.openxmlformats.org/presentationml/2006/main" xmlns:c="http://schemas.openxmlformats.org/drawingml/2006/chart" xmlns:dgm="http://schemas.openxmlformats.org/drawingml/2006/diagram" xmlns:o="urn:schemas-microsoft-com:office:office" xmlns:v="urn:schemas-microsoft-com:vml" xmlns:pvml="urn:schemas-microsoft-com:office:powerpoint" xmlns:com="http://schemas.openxmlformats.org/drawingml/2006/compatibility" xmlns:p14="http://schemas.microsoft.com/office/powerpoint/2010/main" xmlns:p15="http://schemas.microsoft.com/office/powerpoint/2012/main" xmlns:ahyp="http://schemas.microsoft.com/office/drawing/2018/hyperlinkcolor">
+  <p:cSld>
+    <p:spTree>
+      <p:nvGrpSpPr>
+        <p:cNvPr id="220" name="Shape 220"/>
+        <p:cNvGrpSpPr/>
+        <p:nvPr/>
+      </p:nvGrpSpPr>
+      <p:grpSpPr>
+        <a:xfrm>
+          <a:off x="0" y="0"/>
+          <a:ext cx="0" cy="0"/>
+          <a:chOff x="0" y="0"/>
+          <a:chExt cx="0" cy="0"/>
+        </a:xfrm>
+      </p:grpSpPr>
+      <p:sp>
+        <p:nvSpPr>
+          <p:cNvPr id="221" name="Google Shape;221;p37"/>
+          <p:cNvSpPr txBox="1"/>
+          <p:nvPr>
+            <p:ph type="title"/>
+          </p:nvPr>
+        </p:nvSpPr>
+        <p:spPr>
+          <a:xfrm>
+            <a:off x="311700" y="445025"/>
+            <a:ext cx="8520600" cy="572700"/>
+          </a:xfrm>
+          <a:prstGeom prst="rect">
+            <a:avLst/>
+          </a:prstGeom>
+        </p:spPr>
+        <p:txBody>
+          <a:bodyPr anchorCtr="0" anchor="t" bIns="91425" lIns="91425" spcFirstLastPara="1" rIns="91425" wrap="square" tIns="91425">
+            <a:normAutofit fontScale="90000"/>
+          </a:bodyPr>
+          <a:lstStyle/>
+          <a:p>
+            <a:pPr indent="0" lvl="0" marL="0" rtl="0" algn="l">
+              <a:spcBef>
+                <a:spcPts val="0"/>
+              </a:spcBef>
+              <a:spcAft>
+                <a:spcPts val="0"/>
+              </a:spcAft>
+              <a:buNone/>
+            </a:pPr>
+            <a:r>
+              <a:rPr lang="en"/>
+              <a:t>Multinomial Logistic Regression - Predicted Probabilities</a:t>
+            </a:r>
+            <a:endParaRPr/>
+          </a:p>
+        </p:txBody>
+      </p:sp>
+      <p:pic>
+        <p:nvPicPr>
+          <p:cNvPr id="222" name="Google Shape;222;p37"/>
+          <p:cNvPicPr preferRelativeResize="0"/>
+          <p:nvPr/>
+        </p:nvPicPr>
+        <p:blipFill>
+          <a:blip r:embed="rId3">
+            <a:alphaModFix/>
+          </a:blip>
+          <a:stretch>
+            <a:fillRect/>
+          </a:stretch>
+        </p:blipFill>
+        <p:spPr>
+          <a:xfrm>
+            <a:off x="152400" y="1170125"/>
+            <a:ext cx="4682124" cy="3350725"/>
+          </a:xfrm>
+          <a:prstGeom prst="rect">
+            <a:avLst/>
+          </a:prstGeom>
+          <a:noFill/>
+          <a:ln>
+            <a:noFill/>
+          </a:ln>
+        </p:spPr>
+      </p:pic>
+      <p:pic>
+        <p:nvPicPr>
+          <p:cNvPr id="223" name="Google Shape;223;p37"/>
+          <p:cNvPicPr preferRelativeResize="0"/>
+          <p:nvPr/>
+        </p:nvPicPr>
+        <p:blipFill>
+          <a:blip r:embed="rId4">
+            <a:alphaModFix/>
+          </a:blip>
+          <a:stretch>
+            <a:fillRect/>
+          </a:stretch>
+        </p:blipFill>
+        <p:spPr>
+          <a:xfrm>
+            <a:off x="4986924" y="1483150"/>
+            <a:ext cx="4004675" cy="2724666"/>
+          </a:xfrm>
+          <a:prstGeom prst="rect">
+            <a:avLst/>
+          </a:prstGeom>
+          <a:noFill/>
+          <a:ln>
+            <a:noFill/>
+          </a:ln>
+        </p:spPr>
+      </p:pic>
     </p:spTree>
   </p:cSld>
   <p:clrMapOvr>
@@ -15025,7 +16079,7 @@
             <a:tbl>
               <a:tblPr>
                 <a:noFill/>
-                <a:tableStyleId>{ACD02343-28EE-4729-9CA3-A3004B5C1CF3}</a:tableStyleId>
+                <a:tableStyleId>{5D25E021-2207-40E9-8CAE-826746F7D955}</a:tableStyleId>
               </a:tblPr>
               <a:tblGrid>
                 <a:gridCol w="1387625"/>
@@ -15818,7 +16872,7 @@
             <a:tbl>
               <a:tblPr>
                 <a:noFill/>
-                <a:tableStyleId>{ACD02343-28EE-4729-9CA3-A3004B5C1CF3}</a:tableStyleId>
+                <a:tableStyleId>{5D25E021-2207-40E9-8CAE-826746F7D955}</a:tableStyleId>
               </a:tblPr>
               <a:tblGrid>
                 <a:gridCol w="1387625"/>
